--- a/Anurag11.pptx
+++ b/Anurag11.pptx
@@ -5,7 +5,7 @@
     <p:sldMasterId id="2147483708" r:id="rId1"/>
   </p:sldMasterIdLst>
   <p:notesMasterIdLst>
-    <p:notesMasterId r:id="rId37"/>
+    <p:notesMasterId r:id="rId38"/>
   </p:notesMasterIdLst>
   <p:sldIdLst>
     <p:sldId id="297" r:id="rId2"/>
@@ -30,19 +30,20 @@
     <p:sldId id="270" r:id="rId21"/>
     <p:sldId id="271" r:id="rId22"/>
     <p:sldId id="273" r:id="rId23"/>
-    <p:sldId id="282" r:id="rId24"/>
-    <p:sldId id="285" r:id="rId25"/>
-    <p:sldId id="286" r:id="rId26"/>
-    <p:sldId id="288" r:id="rId27"/>
-    <p:sldId id="287" r:id="rId28"/>
-    <p:sldId id="289" r:id="rId29"/>
-    <p:sldId id="290" r:id="rId30"/>
-    <p:sldId id="291" r:id="rId31"/>
-    <p:sldId id="292" r:id="rId32"/>
-    <p:sldId id="293" r:id="rId33"/>
-    <p:sldId id="294" r:id="rId34"/>
-    <p:sldId id="295" r:id="rId35"/>
-    <p:sldId id="296" r:id="rId36"/>
+    <p:sldId id="298" r:id="rId24"/>
+    <p:sldId id="282" r:id="rId25"/>
+    <p:sldId id="285" r:id="rId26"/>
+    <p:sldId id="286" r:id="rId27"/>
+    <p:sldId id="288" r:id="rId28"/>
+    <p:sldId id="287" r:id="rId29"/>
+    <p:sldId id="289" r:id="rId30"/>
+    <p:sldId id="290" r:id="rId31"/>
+    <p:sldId id="291" r:id="rId32"/>
+    <p:sldId id="292" r:id="rId33"/>
+    <p:sldId id="293" r:id="rId34"/>
+    <p:sldId id="294" r:id="rId35"/>
+    <p:sldId id="295" r:id="rId36"/>
+    <p:sldId id="296" r:id="rId37"/>
   </p:sldIdLst>
   <p:sldSz cx="12192000" cy="6858000"/>
   <p:notesSz cx="6858000" cy="9144000"/>
@@ -8835,7 +8836,7 @@
           <a:p>
             <a:fld id="{A6B27BE6-8B0E-46F8-9865-7B437558275A}" type="datetimeFigureOut">
               <a:rPr lang="en-IN" smtClean="0"/>
-              <a:t>28-07-2025</a:t>
+              <a:t>29-07-2025</a:t>
             </a:fld>
             <a:endParaRPr lang="en-IN"/>
           </a:p>
@@ -9149,7 +9150,6 @@
               <a:bodyPr/>
               <a:lstStyle/>
               <a:p>
-                <a:pPr/>
                 <a:endParaRPr lang="en-IN" dirty="0"/>
               </a:p>
             </p:txBody>
@@ -9212,7 +9212,7 @@
           <a:p>
             <a:fld id="{B0A0A803-129A-4ADB-874A-CBCA511DA11E}" type="slidenum">
               <a:rPr lang="en-IN" smtClean="0"/>
-              <a:t>27</a:t>
+              <a:t>28</a:t>
             </a:fld>
             <a:endParaRPr lang="en-IN"/>
           </a:p>
@@ -18024,7 +18024,7 @@
           <a:p>
             <a:fld id="{40816A13-A048-4FEF-BDB4-8549534722AE}" type="datetimeFigureOut">
               <a:rPr lang="en-IN" smtClean="0"/>
-              <a:t>28-07-2025</a:t>
+              <a:t>29-07-2025</a:t>
             </a:fld>
             <a:endParaRPr lang="en-IN"/>
           </a:p>
@@ -18231,7 +18231,7 @@
           <a:p>
             <a:fld id="{40816A13-A048-4FEF-BDB4-8549534722AE}" type="datetimeFigureOut">
               <a:rPr lang="en-IN" smtClean="0"/>
-              <a:t>28-07-2025</a:t>
+              <a:t>29-07-2025</a:t>
             </a:fld>
             <a:endParaRPr lang="en-IN"/>
           </a:p>
@@ -18411,7 +18411,7 @@
           <a:p>
             <a:fld id="{40816A13-A048-4FEF-BDB4-8549534722AE}" type="datetimeFigureOut">
               <a:rPr lang="en-IN" smtClean="0"/>
-              <a:t>28-07-2025</a:t>
+              <a:t>29-07-2025</a:t>
             </a:fld>
             <a:endParaRPr lang="en-IN"/>
           </a:p>
@@ -18616,7 +18616,7 @@
           <a:p>
             <a:fld id="{40816A13-A048-4FEF-BDB4-8549534722AE}" type="datetimeFigureOut">
               <a:rPr lang="en-IN" smtClean="0"/>
-              <a:t>28-07-2025</a:t>
+              <a:t>29-07-2025</a:t>
             </a:fld>
             <a:endParaRPr lang="en-IN"/>
           </a:p>
@@ -27514,7 +27514,7 @@
           <a:p>
             <a:fld id="{40816A13-A048-4FEF-BDB4-8549534722AE}" type="datetimeFigureOut">
               <a:rPr lang="en-IN" smtClean="0"/>
-              <a:t>28-07-2025</a:t>
+              <a:t>29-07-2025</a:t>
             </a:fld>
             <a:endParaRPr lang="en-IN"/>
           </a:p>
@@ -27788,7 +27788,7 @@
           <a:p>
             <a:fld id="{40816A13-A048-4FEF-BDB4-8549534722AE}" type="datetimeFigureOut">
               <a:rPr lang="en-IN" smtClean="0"/>
-              <a:t>28-07-2025</a:t>
+              <a:t>29-07-2025</a:t>
             </a:fld>
             <a:endParaRPr lang="en-IN"/>
           </a:p>
@@ -28186,7 +28186,7 @@
           <a:p>
             <a:fld id="{40816A13-A048-4FEF-BDB4-8549534722AE}" type="datetimeFigureOut">
               <a:rPr lang="en-IN" smtClean="0"/>
-              <a:t>28-07-2025</a:t>
+              <a:t>29-07-2025</a:t>
             </a:fld>
             <a:endParaRPr lang="en-IN"/>
           </a:p>
@@ -28304,7 +28304,7 @@
           <a:p>
             <a:fld id="{40816A13-A048-4FEF-BDB4-8549534722AE}" type="datetimeFigureOut">
               <a:rPr lang="en-IN" smtClean="0"/>
-              <a:t>28-07-2025</a:t>
+              <a:t>29-07-2025</a:t>
             </a:fld>
             <a:endParaRPr lang="en-IN"/>
           </a:p>
@@ -28399,7 +28399,7 @@
           <a:p>
             <a:fld id="{40816A13-A048-4FEF-BDB4-8549534722AE}" type="datetimeFigureOut">
               <a:rPr lang="en-IN" smtClean="0"/>
-              <a:t>28-07-2025</a:t>
+              <a:t>29-07-2025</a:t>
             </a:fld>
             <a:endParaRPr lang="en-IN"/>
           </a:p>
@@ -28689,7 +28689,7 @@
           <a:p>
             <a:fld id="{40816A13-A048-4FEF-BDB4-8549534722AE}" type="datetimeFigureOut">
               <a:rPr lang="en-IN" smtClean="0"/>
-              <a:t>28-07-2025</a:t>
+              <a:t>29-07-2025</a:t>
             </a:fld>
             <a:endParaRPr lang="en-IN"/>
           </a:p>
@@ -28969,7 +28969,7 @@
           <a:p>
             <a:fld id="{40816A13-A048-4FEF-BDB4-8549534722AE}" type="datetimeFigureOut">
               <a:rPr lang="en-IN" smtClean="0"/>
-              <a:t>28-07-2025</a:t>
+              <a:t>29-07-2025</a:t>
             </a:fld>
             <a:endParaRPr lang="en-IN"/>
           </a:p>
@@ -29219,7 +29219,7 @@
           <a:p>
             <a:fld id="{40816A13-A048-4FEF-BDB4-8549534722AE}" type="datetimeFigureOut">
               <a:rPr lang="en-IN" smtClean="0"/>
-              <a:t>28-07-2025</a:t>
+              <a:t>29-07-2025</a:t>
             </a:fld>
             <a:endParaRPr lang="en-IN"/>
           </a:p>
@@ -29856,7 +29856,7 @@
         </p:nvSpPr>
         <p:spPr>
           <a:xfrm>
-            <a:off x="2065626" y="1787190"/>
+            <a:off x="2065626" y="1808962"/>
             <a:ext cx="8247373" cy="1354217"/>
           </a:xfrm>
           <a:prstGeom prst="rect">
@@ -34473,6 +34473,66 @@
           <p:cNvPr id="3" name="Picture 2">
             <a:extLst>
               <a:ext uri="{FF2B5EF4-FFF2-40B4-BE49-F238E27FC236}">
+                <a16:creationId xmlns:a16="http://schemas.microsoft.com/office/drawing/2014/main" id="{4EBC6F62-ECD1-02F3-4F61-EE18AF823F39}"/>
+              </a:ext>
+            </a:extLst>
+          </p:cNvPr>
+          <p:cNvPicPr>
+            <a:picLocks noChangeAspect="1"/>
+          </p:cNvPicPr>
+          <p:nvPr/>
+        </p:nvPicPr>
+        <p:blipFill>
+          <a:blip r:embed="rId2"/>
+          <a:stretch>
+            <a:fillRect/>
+          </a:stretch>
+        </p:blipFill>
+        <p:spPr>
+          <a:xfrm>
+            <a:off x="1" y="0"/>
+            <a:ext cx="12115800" cy="6858000"/>
+          </a:xfrm>
+          <a:prstGeom prst="rect">
+            <a:avLst/>
+          </a:prstGeom>
+        </p:spPr>
+      </p:pic>
+    </p:spTree>
+    <p:extLst>
+      <p:ext uri="{BB962C8B-B14F-4D97-AF65-F5344CB8AC3E}">
+        <p14:creationId xmlns:p14="http://schemas.microsoft.com/office/powerpoint/2010/main" val="1321945326"/>
+      </p:ext>
+    </p:extLst>
+  </p:cSld>
+  <p:clrMapOvr>
+    <a:masterClrMapping/>
+  </p:clrMapOvr>
+</p:sld>
+</file>
+
+<file path=ppt/slides/slide24.xml><?xml version="1.0" encoding="utf-8"?>
+<p:sld xmlns:a="http://schemas.openxmlformats.org/drawingml/2006/main" xmlns:r="http://schemas.openxmlformats.org/officeDocument/2006/relationships" xmlns:p="http://schemas.openxmlformats.org/presentationml/2006/main">
+  <p:cSld>
+    <p:spTree>
+      <p:nvGrpSpPr>
+        <p:cNvPr id="1" name=""/>
+        <p:cNvGrpSpPr/>
+        <p:nvPr/>
+      </p:nvGrpSpPr>
+      <p:grpSpPr>
+        <a:xfrm>
+          <a:off x="0" y="0"/>
+          <a:ext cx="0" cy="0"/>
+          <a:chOff x="0" y="0"/>
+          <a:chExt cx="0" cy="0"/>
+        </a:xfrm>
+      </p:grpSpPr>
+      <p:pic>
+        <p:nvPicPr>
+          <p:cNvPr id="3" name="Picture 2">
+            <a:extLst>
+              <a:ext uri="{FF2B5EF4-FFF2-40B4-BE49-F238E27FC236}">
                 <a16:creationId xmlns:a16="http://schemas.microsoft.com/office/drawing/2014/main" id="{EB52CD98-BF04-3FF0-0CEC-76F742660B11}"/>
               </a:ext>
             </a:extLst>
@@ -34517,7 +34577,7 @@
 </p:sld>
 </file>
 
-<file path=ppt/slides/slide24.xml><?xml version="1.0" encoding="utf-8"?>
+<file path=ppt/slides/slide25.xml><?xml version="1.0" encoding="utf-8"?>
 <p:sld xmlns:a="http://schemas.openxmlformats.org/drawingml/2006/main" xmlns:r="http://schemas.openxmlformats.org/officeDocument/2006/relationships" xmlns:p="http://schemas.openxmlformats.org/presentationml/2006/main">
   <p:cSld>
     <p:spTree>
@@ -34583,7 +34643,7 @@
 </p:sld>
 </file>
 
-<file path=ppt/slides/slide25.xml><?xml version="1.0" encoding="utf-8"?>
+<file path=ppt/slides/slide26.xml><?xml version="1.0" encoding="utf-8"?>
 <p:sld xmlns:a="http://schemas.openxmlformats.org/drawingml/2006/main" xmlns:r="http://schemas.openxmlformats.org/officeDocument/2006/relationships" xmlns:p="http://schemas.openxmlformats.org/presentationml/2006/main">
   <p:cSld>
     <p:spTree>
@@ -34848,8 +34908,8 @@
           </a:prstGeom>
         </p:spPr>
       </p:pic>
-      <mc:AlternateContent xmlns:mc="http://schemas.openxmlformats.org/markup-compatibility/2006">
-        <mc:Choice xmlns:a14="http://schemas.microsoft.com/office/drawing/2010/main" Requires="a14">
+      <mc:AlternateContent xmlns:mc="http://schemas.openxmlformats.org/markup-compatibility/2006" xmlns:a14="http://schemas.microsoft.com/office/drawing/2010/main">
+        <mc:Choice Requires="a14">
           <p:sp>
             <p:nvSpPr>
               <p:cNvPr id="21" name="Rectangle: Rounded Corners 20">
@@ -35444,7 +35504,7 @@
             </p:txBody>
           </p:sp>
         </mc:Choice>
-        <mc:Fallback>
+        <mc:Fallback xmlns="">
           <p:sp>
             <p:nvSpPr>
               <p:cNvPr id="21" name="Rectangle: Rounded Corners 20">
@@ -35505,7 +35565,7 @@
 </p:sld>
 </file>
 
-<file path=ppt/slides/slide26.xml><?xml version="1.0" encoding="utf-8"?>
+<file path=ppt/slides/slide27.xml><?xml version="1.0" encoding="utf-8"?>
 <p:sld xmlns:a="http://schemas.openxmlformats.org/drawingml/2006/main" xmlns:r="http://schemas.openxmlformats.org/officeDocument/2006/relationships" xmlns:p="http://schemas.openxmlformats.org/presentationml/2006/main">
   <p:cSld>
     <p:spTree>
@@ -37020,7 +37080,7 @@
 </p:sld>
 </file>
 
-<file path=ppt/slides/slide27.xml><?xml version="1.0" encoding="utf-8"?>
+<file path=ppt/slides/slide28.xml><?xml version="1.0" encoding="utf-8"?>
 <p:sld xmlns:a="http://schemas.openxmlformats.org/drawingml/2006/main" xmlns:r="http://schemas.openxmlformats.org/officeDocument/2006/relationships" xmlns:p="http://schemas.openxmlformats.org/presentationml/2006/main">
   <p:cSld>
     <p:spTree>
@@ -38528,7 +38588,7 @@
 </p:sld>
 </file>
 
-<file path=ppt/slides/slide28.xml><?xml version="1.0" encoding="utf-8"?>
+<file path=ppt/slides/slide29.xml><?xml version="1.0" encoding="utf-8"?>
 <p:sld xmlns:a="http://schemas.openxmlformats.org/drawingml/2006/main" xmlns:r="http://schemas.openxmlformats.org/officeDocument/2006/relationships" xmlns:p="http://schemas.openxmlformats.org/presentationml/2006/main">
   <p:cSld>
     <p:spTree>
@@ -39403,16 +39463,7 @@
                                   </a:solidFill>
                                   <a:latin typeface="Cambria Math" panose="02040503050406030204" pitchFamily="18" charset="0"/>
                                 </a:rPr>
-                                <m:t>−</m:t>
-                              </m:r>
-                              <m:r>
-                                <a:rPr lang="en-US" altLang="en-US" sz="1400" b="0" i="1" smtClean="0">
-                                  <a:solidFill>
-                                    <a:schemeClr val="tx1"/>
-                                  </a:solidFill>
-                                  <a:latin typeface="Cambria Math" panose="02040503050406030204" pitchFamily="18" charset="0"/>
-                                </a:rPr>
-                                <m:t>1</m:t>
+                                <m:t>−1</m:t>
                               </m:r>
                             </m:sub>
                           </m:sSub>
@@ -39599,16 +39650,7 @@
                           </a:solidFill>
                           <a:latin typeface="Cambria Math" panose="02040503050406030204" pitchFamily="18" charset="0"/>
                         </a:rPr>
-                        <m:t>≥</m:t>
-                      </m:r>
-                      <m:r>
-                        <a:rPr lang="en-US" altLang="en-US" sz="1400" b="0" i="1" smtClean="0">
-                          <a:solidFill>
-                            <a:schemeClr val="tx1"/>
-                          </a:solidFill>
-                          <a:latin typeface="Cambria Math" panose="02040503050406030204" pitchFamily="18" charset="0"/>
-                        </a:rPr>
-                        <m:t>2</m:t>
+                        <m:t>≥2</m:t>
                       </m:r>
                     </m:oMath>
                   </m:oMathPara>
@@ -39881,31 +39923,7 @@
                           </a:solidFill>
                           <a:latin typeface="Cambria Math" panose="02040503050406030204" pitchFamily="18" charset="0"/>
                         </a:rPr>
-                        <m:t>_</m:t>
-                      </m:r>
-                      <m:r>
-                        <a:rPr lang="en-US" altLang="en-US" sz="1400" b="0" i="1" smtClean="0">
-                          <a:solidFill>
-                            <a:schemeClr val="tx1">
-                              <a:lumMod val="85000"/>
-                              <a:lumOff val="15000"/>
-                            </a:schemeClr>
-                          </a:solidFill>
-                          <a:latin typeface="Cambria Math" panose="02040503050406030204" pitchFamily="18" charset="0"/>
-                        </a:rPr>
-                        <m:t>1</m:t>
-                      </m:r>
-                      <m:r>
-                        <a:rPr lang="en-US" altLang="en-US" sz="1400" b="0" i="1" smtClean="0">
-                          <a:solidFill>
-                            <a:schemeClr val="tx1">
-                              <a:lumMod val="85000"/>
-                              <a:lumOff val="15000"/>
-                            </a:schemeClr>
-                          </a:solidFill>
-                          <a:latin typeface="Cambria Math" panose="02040503050406030204" pitchFamily="18" charset="0"/>
-                        </a:rPr>
-                        <m:t> </m:t>
+                        <m:t>_1 </m:t>
                       </m:r>
                       <m:r>
                         <a:rPr lang="en-US" altLang="en-US" sz="1400" i="1">
@@ -40160,16 +40178,7 @@
                                   </a:solidFill>
                                   <a:latin typeface="Cambria Math" panose="02040503050406030204" pitchFamily="18" charset="0"/>
                                 </a:rPr>
-                                <m:t>−</m:t>
-                              </m:r>
-                              <m:r>
-                                <a:rPr lang="en-US" altLang="en-US" sz="1400" i="1">
-                                  <a:solidFill>
-                                    <a:schemeClr val="tx1"/>
-                                  </a:solidFill>
-                                  <a:latin typeface="Cambria Math" panose="02040503050406030204" pitchFamily="18" charset="0"/>
-                                </a:rPr>
-                                <m:t>1</m:t>
+                                <m:t>−1</m:t>
                               </m:r>
                             </m:sub>
                           </m:sSub>
@@ -40356,16 +40365,7 @@
                           </a:solidFill>
                           <a:latin typeface="Cambria Math" panose="02040503050406030204" pitchFamily="18" charset="0"/>
                         </a:rPr>
-                        <m:t>≥</m:t>
-                      </m:r>
-                      <m:r>
-                        <a:rPr lang="en-US" altLang="en-US" sz="1400" i="1">
-                          <a:solidFill>
-                            <a:schemeClr val="tx1"/>
-                          </a:solidFill>
-                          <a:latin typeface="Cambria Math" panose="02040503050406030204" pitchFamily="18" charset="0"/>
-                        </a:rPr>
-                        <m:t>2</m:t>
+                        <m:t>≥2</m:t>
                       </m:r>
                     </m:oMath>
                   </m:oMathPara>
@@ -40519,7 +40519,256 @@
 </p:sld>
 </file>
 
-<file path=ppt/slides/slide29.xml><?xml version="1.0" encoding="utf-8"?>
+<file path=ppt/slides/slide3.xml><?xml version="1.0" encoding="utf-8"?>
+<p:sld xmlns:a="http://schemas.openxmlformats.org/drawingml/2006/main" xmlns:r="http://schemas.openxmlformats.org/officeDocument/2006/relationships" xmlns:p="http://schemas.openxmlformats.org/presentationml/2006/main">
+  <p:cSld>
+    <p:spTree>
+      <p:nvGrpSpPr>
+        <p:cNvPr id="1" name=""/>
+        <p:cNvGrpSpPr/>
+        <p:nvPr/>
+      </p:nvGrpSpPr>
+      <p:grpSpPr>
+        <a:xfrm>
+          <a:off x="0" y="0"/>
+          <a:ext cx="0" cy="0"/>
+          <a:chOff x="0" y="0"/>
+          <a:chExt cx="0" cy="0"/>
+        </a:xfrm>
+      </p:grpSpPr>
+      <p:sp>
+        <p:nvSpPr>
+          <p:cNvPr id="3" name="TextBox 2">
+            <a:extLst>
+              <a:ext uri="{FF2B5EF4-FFF2-40B4-BE49-F238E27FC236}">
+                <a16:creationId xmlns:a16="http://schemas.microsoft.com/office/drawing/2014/main" id="{22C43CBD-DCAC-1312-2808-181ADCE37974}"/>
+              </a:ext>
+            </a:extLst>
+          </p:cNvPr>
+          <p:cNvSpPr txBox="1"/>
+          <p:nvPr/>
+        </p:nvSpPr>
+        <p:spPr>
+          <a:xfrm>
+            <a:off x="772886" y="664029"/>
+            <a:ext cx="9906000" cy="523220"/>
+          </a:xfrm>
+          <a:prstGeom prst="rect">
+            <a:avLst/>
+          </a:prstGeom>
+          <a:noFill/>
+        </p:spPr>
+        <p:txBody>
+          <a:bodyPr wrap="square">
+            <a:spAutoFit/>
+          </a:bodyPr>
+          <a:lstStyle/>
+          <a:p>
+            <a:pPr>
+              <a:buNone/>
+            </a:pPr>
+            <a:r>
+              <a:rPr lang="en-US" sz="2800" b="1" dirty="0"/>
+              <a:t>How It Works</a:t>
+            </a:r>
+          </a:p>
+        </p:txBody>
+      </p:sp>
+      <p:sp>
+        <p:nvSpPr>
+          <p:cNvPr id="4" name="TextBox 3">
+            <a:extLst>
+              <a:ext uri="{FF2B5EF4-FFF2-40B4-BE49-F238E27FC236}">
+                <a16:creationId xmlns:a16="http://schemas.microsoft.com/office/drawing/2014/main" id="{3EC0C78D-5C09-B4FD-8C20-74940CCD99BD}"/>
+              </a:ext>
+            </a:extLst>
+          </p:cNvPr>
+          <p:cNvSpPr txBox="1"/>
+          <p:nvPr/>
+        </p:nvSpPr>
+        <p:spPr>
+          <a:xfrm>
+            <a:off x="566057" y="1378651"/>
+            <a:ext cx="9960428" cy="2215991"/>
+          </a:xfrm>
+          <a:prstGeom prst="rect">
+            <a:avLst/>
+          </a:prstGeom>
+          <a:noFill/>
+        </p:spPr>
+        <p:txBody>
+          <a:bodyPr wrap="square" rtlCol="0">
+            <a:spAutoFit/>
+          </a:bodyPr>
+          <a:lstStyle/>
+          <a:p>
+            <a:pPr>
+              <a:buFont typeface="Arial" panose="020B0604020202020204" pitchFamily="34" charset="0"/>
+              <a:buChar char="•"/>
+            </a:pPr>
+            <a:r>
+              <a:rPr lang="en-US" sz="2400" dirty="0"/>
+              <a:t>A </a:t>
+            </a:r>
+            <a:r>
+              <a:rPr lang="en-US" sz="2400" b="1" dirty="0"/>
+              <a:t>single key</a:t>
+            </a:r>
+            <a:r>
+              <a:rPr lang="en-US" sz="2400" dirty="0"/>
+              <a:t> is shared between sender and receiver.</a:t>
+            </a:r>
+          </a:p>
+          <a:p>
+            <a:pPr>
+              <a:buFont typeface="Arial" panose="020B0604020202020204" pitchFamily="34" charset="0"/>
+              <a:buChar char="•"/>
+            </a:pPr>
+            <a:endParaRPr lang="en-US" sz="2400" dirty="0"/>
+          </a:p>
+          <a:p>
+            <a:pPr>
+              <a:buFont typeface="Arial" panose="020B0604020202020204" pitchFamily="34" charset="0"/>
+              <a:buChar char="•"/>
+            </a:pPr>
+            <a:r>
+              <a:rPr lang="en-US" sz="2400" dirty="0"/>
+              <a:t>Both parties use this key to </a:t>
+            </a:r>
+            <a:r>
+              <a:rPr lang="en-US" sz="2400" b="1" dirty="0"/>
+              <a:t>encrypt and decrypt</a:t>
+            </a:r>
+            <a:r>
+              <a:rPr lang="en-US" sz="2400" dirty="0"/>
+              <a:t> data.</a:t>
+            </a:r>
+          </a:p>
+          <a:p>
+            <a:pPr>
+              <a:buFont typeface="Arial" panose="020B0604020202020204" pitchFamily="34" charset="0"/>
+              <a:buChar char="•"/>
+            </a:pPr>
+            <a:endParaRPr lang="en-US" sz="2400" dirty="0"/>
+          </a:p>
+          <a:p>
+            <a:pPr>
+              <a:buFont typeface="Arial" panose="020B0604020202020204" pitchFamily="34" charset="0"/>
+              <a:buChar char="•"/>
+            </a:pPr>
+            <a:endParaRPr lang="en-US" sz="2400" dirty="0"/>
+          </a:p>
+          <a:p>
+            <a:endParaRPr lang="en-IN" dirty="0"/>
+          </a:p>
+        </p:txBody>
+      </p:sp>
+      <p:sp>
+        <p:nvSpPr>
+          <p:cNvPr id="8" name="TextBox 7">
+            <a:extLst>
+              <a:ext uri="{FF2B5EF4-FFF2-40B4-BE49-F238E27FC236}">
+                <a16:creationId xmlns:a16="http://schemas.microsoft.com/office/drawing/2014/main" id="{AACF5121-1971-971F-52FB-661DCE6F1CB6}"/>
+              </a:ext>
+            </a:extLst>
+          </p:cNvPr>
+          <p:cNvSpPr txBox="1"/>
+          <p:nvPr/>
+        </p:nvSpPr>
+        <p:spPr>
+          <a:xfrm>
+            <a:off x="386443" y="3834510"/>
+            <a:ext cx="8850086" cy="461665"/>
+          </a:xfrm>
+          <a:prstGeom prst="rect">
+            <a:avLst/>
+          </a:prstGeom>
+          <a:noFill/>
+        </p:spPr>
+        <p:txBody>
+          <a:bodyPr wrap="square">
+            <a:spAutoFit/>
+          </a:bodyPr>
+          <a:lstStyle/>
+          <a:p>
+            <a:pPr lvl="1">
+              <a:buFont typeface="Arial" panose="020B0604020202020204" pitchFamily="34" charset="0"/>
+              <a:buChar char="•"/>
+            </a:pPr>
+            <a:r>
+              <a:rPr lang="en-US" sz="2400" dirty="0"/>
+              <a:t>Example flow:</a:t>
+            </a:r>
+          </a:p>
+        </p:txBody>
+      </p:sp>
+      <p:sp>
+        <p:nvSpPr>
+          <p:cNvPr id="10" name="TextBox 9">
+            <a:extLst>
+              <a:ext uri="{FF2B5EF4-FFF2-40B4-BE49-F238E27FC236}">
+                <a16:creationId xmlns:a16="http://schemas.microsoft.com/office/drawing/2014/main" id="{3A341F57-261C-202A-8B91-8BFDA0AC040F}"/>
+              </a:ext>
+            </a:extLst>
+          </p:cNvPr>
+          <p:cNvSpPr txBox="1"/>
+          <p:nvPr/>
+        </p:nvSpPr>
+        <p:spPr>
+          <a:xfrm>
+            <a:off x="925286" y="4782349"/>
+            <a:ext cx="6096000" cy="707886"/>
+          </a:xfrm>
+          <a:prstGeom prst="rect">
+            <a:avLst/>
+          </a:prstGeom>
+          <a:noFill/>
+        </p:spPr>
+        <p:txBody>
+          <a:bodyPr wrap="square">
+            <a:spAutoFit/>
+          </a:bodyPr>
+          <a:lstStyle/>
+          <a:p>
+            <a:r>
+              <a:rPr lang="en-IN" sz="2000" dirty="0">
+                <a:solidFill>
+                  <a:schemeClr val="accent1">
+                    <a:lumMod val="75000"/>
+                  </a:schemeClr>
+                </a:solidFill>
+              </a:rPr>
+              <a:t>Plaintext + Key → 🔒 Encryption → Ciphertext  </a:t>
+            </a:r>
+          </a:p>
+          <a:p>
+            <a:r>
+              <a:rPr lang="en-IN" sz="2000" dirty="0">
+                <a:solidFill>
+                  <a:schemeClr val="accent1">
+                    <a:lumMod val="75000"/>
+                  </a:schemeClr>
+                </a:solidFill>
+              </a:rPr>
+              <a:t>Ciphertext + Same Key → 🔓 Decryption → Plaintext</a:t>
+            </a:r>
+          </a:p>
+        </p:txBody>
+      </p:sp>
+    </p:spTree>
+    <p:extLst>
+      <p:ext uri="{BB962C8B-B14F-4D97-AF65-F5344CB8AC3E}">
+        <p14:creationId xmlns:p14="http://schemas.microsoft.com/office/powerpoint/2010/main" val="1736346412"/>
+      </p:ext>
+    </p:extLst>
+  </p:cSld>
+  <p:clrMapOvr>
+    <a:masterClrMapping/>
+  </p:clrMapOvr>
+</p:sld>
+</file>
+
+<file path=ppt/slides/slide30.xml><?xml version="1.0" encoding="utf-8"?>
 <p:sld xmlns:a="http://schemas.openxmlformats.org/drawingml/2006/main" xmlns:r="http://schemas.openxmlformats.org/officeDocument/2006/relationships" xmlns:p="http://schemas.openxmlformats.org/presentationml/2006/main">
   <p:cSld>
     <p:spTree>
@@ -40584,8 +40833,8 @@
           </a:p>
         </p:txBody>
       </p:sp>
-      <mc:AlternateContent xmlns:mc="http://schemas.openxmlformats.org/markup-compatibility/2006">
-        <mc:Choice xmlns:a14="http://schemas.microsoft.com/office/drawing/2010/main" Requires="a14">
+      <mc:AlternateContent xmlns:mc="http://schemas.openxmlformats.org/markup-compatibility/2006" xmlns:a14="http://schemas.microsoft.com/office/drawing/2010/main">
+        <mc:Choice Requires="a14">
           <p:sp>
             <p:nvSpPr>
               <p:cNvPr id="10" name="Rectangle: Rounded Corners 9">
@@ -41441,7 +41690,7 @@
             </p:txBody>
           </p:sp>
         </mc:Choice>
-        <mc:Fallback>
+        <mc:Fallback xmlns="">
           <p:sp>
             <p:nvSpPr>
               <p:cNvPr id="10" name="Rectangle: Rounded Corners 9">
@@ -41587,256 +41836,7 @@
 </p:sld>
 </file>
 
-<file path=ppt/slides/slide3.xml><?xml version="1.0" encoding="utf-8"?>
-<p:sld xmlns:a="http://schemas.openxmlformats.org/drawingml/2006/main" xmlns:r="http://schemas.openxmlformats.org/officeDocument/2006/relationships" xmlns:p="http://schemas.openxmlformats.org/presentationml/2006/main">
-  <p:cSld>
-    <p:spTree>
-      <p:nvGrpSpPr>
-        <p:cNvPr id="1" name=""/>
-        <p:cNvGrpSpPr/>
-        <p:nvPr/>
-      </p:nvGrpSpPr>
-      <p:grpSpPr>
-        <a:xfrm>
-          <a:off x="0" y="0"/>
-          <a:ext cx="0" cy="0"/>
-          <a:chOff x="0" y="0"/>
-          <a:chExt cx="0" cy="0"/>
-        </a:xfrm>
-      </p:grpSpPr>
-      <p:sp>
-        <p:nvSpPr>
-          <p:cNvPr id="3" name="TextBox 2">
-            <a:extLst>
-              <a:ext uri="{FF2B5EF4-FFF2-40B4-BE49-F238E27FC236}">
-                <a16:creationId xmlns:a16="http://schemas.microsoft.com/office/drawing/2014/main" id="{22C43CBD-DCAC-1312-2808-181ADCE37974}"/>
-              </a:ext>
-            </a:extLst>
-          </p:cNvPr>
-          <p:cNvSpPr txBox="1"/>
-          <p:nvPr/>
-        </p:nvSpPr>
-        <p:spPr>
-          <a:xfrm>
-            <a:off x="772886" y="664029"/>
-            <a:ext cx="9906000" cy="523220"/>
-          </a:xfrm>
-          <a:prstGeom prst="rect">
-            <a:avLst/>
-          </a:prstGeom>
-          <a:noFill/>
-        </p:spPr>
-        <p:txBody>
-          <a:bodyPr wrap="square">
-            <a:spAutoFit/>
-          </a:bodyPr>
-          <a:lstStyle/>
-          <a:p>
-            <a:pPr>
-              <a:buNone/>
-            </a:pPr>
-            <a:r>
-              <a:rPr lang="en-US" sz="2800" b="1" dirty="0"/>
-              <a:t>How It Works</a:t>
-            </a:r>
-          </a:p>
-        </p:txBody>
-      </p:sp>
-      <p:sp>
-        <p:nvSpPr>
-          <p:cNvPr id="4" name="TextBox 3">
-            <a:extLst>
-              <a:ext uri="{FF2B5EF4-FFF2-40B4-BE49-F238E27FC236}">
-                <a16:creationId xmlns:a16="http://schemas.microsoft.com/office/drawing/2014/main" id="{3EC0C78D-5C09-B4FD-8C20-74940CCD99BD}"/>
-              </a:ext>
-            </a:extLst>
-          </p:cNvPr>
-          <p:cNvSpPr txBox="1"/>
-          <p:nvPr/>
-        </p:nvSpPr>
-        <p:spPr>
-          <a:xfrm>
-            <a:off x="566057" y="1378651"/>
-            <a:ext cx="9960428" cy="2215991"/>
-          </a:xfrm>
-          <a:prstGeom prst="rect">
-            <a:avLst/>
-          </a:prstGeom>
-          <a:noFill/>
-        </p:spPr>
-        <p:txBody>
-          <a:bodyPr wrap="square" rtlCol="0">
-            <a:spAutoFit/>
-          </a:bodyPr>
-          <a:lstStyle/>
-          <a:p>
-            <a:pPr>
-              <a:buFont typeface="Arial" panose="020B0604020202020204" pitchFamily="34" charset="0"/>
-              <a:buChar char="•"/>
-            </a:pPr>
-            <a:r>
-              <a:rPr lang="en-US" sz="2400" dirty="0"/>
-              <a:t>A </a:t>
-            </a:r>
-            <a:r>
-              <a:rPr lang="en-US" sz="2400" b="1" dirty="0"/>
-              <a:t>single key</a:t>
-            </a:r>
-            <a:r>
-              <a:rPr lang="en-US" sz="2400" dirty="0"/>
-              <a:t> is shared between sender and receiver.</a:t>
-            </a:r>
-          </a:p>
-          <a:p>
-            <a:pPr>
-              <a:buFont typeface="Arial" panose="020B0604020202020204" pitchFamily="34" charset="0"/>
-              <a:buChar char="•"/>
-            </a:pPr>
-            <a:endParaRPr lang="en-US" sz="2400" dirty="0"/>
-          </a:p>
-          <a:p>
-            <a:pPr>
-              <a:buFont typeface="Arial" panose="020B0604020202020204" pitchFamily="34" charset="0"/>
-              <a:buChar char="•"/>
-            </a:pPr>
-            <a:r>
-              <a:rPr lang="en-US" sz="2400" dirty="0"/>
-              <a:t>Both parties use this key to </a:t>
-            </a:r>
-            <a:r>
-              <a:rPr lang="en-US" sz="2400" b="1" dirty="0"/>
-              <a:t>encrypt and decrypt</a:t>
-            </a:r>
-            <a:r>
-              <a:rPr lang="en-US" sz="2400" dirty="0"/>
-              <a:t> data.</a:t>
-            </a:r>
-          </a:p>
-          <a:p>
-            <a:pPr>
-              <a:buFont typeface="Arial" panose="020B0604020202020204" pitchFamily="34" charset="0"/>
-              <a:buChar char="•"/>
-            </a:pPr>
-            <a:endParaRPr lang="en-US" sz="2400" dirty="0"/>
-          </a:p>
-          <a:p>
-            <a:pPr>
-              <a:buFont typeface="Arial" panose="020B0604020202020204" pitchFamily="34" charset="0"/>
-              <a:buChar char="•"/>
-            </a:pPr>
-            <a:endParaRPr lang="en-US" sz="2400" dirty="0"/>
-          </a:p>
-          <a:p>
-            <a:endParaRPr lang="en-IN" dirty="0"/>
-          </a:p>
-        </p:txBody>
-      </p:sp>
-      <p:sp>
-        <p:nvSpPr>
-          <p:cNvPr id="8" name="TextBox 7">
-            <a:extLst>
-              <a:ext uri="{FF2B5EF4-FFF2-40B4-BE49-F238E27FC236}">
-                <a16:creationId xmlns:a16="http://schemas.microsoft.com/office/drawing/2014/main" id="{AACF5121-1971-971F-52FB-661DCE6F1CB6}"/>
-              </a:ext>
-            </a:extLst>
-          </p:cNvPr>
-          <p:cNvSpPr txBox="1"/>
-          <p:nvPr/>
-        </p:nvSpPr>
-        <p:spPr>
-          <a:xfrm>
-            <a:off x="386443" y="3834510"/>
-            <a:ext cx="8850086" cy="461665"/>
-          </a:xfrm>
-          <a:prstGeom prst="rect">
-            <a:avLst/>
-          </a:prstGeom>
-          <a:noFill/>
-        </p:spPr>
-        <p:txBody>
-          <a:bodyPr wrap="square">
-            <a:spAutoFit/>
-          </a:bodyPr>
-          <a:lstStyle/>
-          <a:p>
-            <a:pPr lvl="1">
-              <a:buFont typeface="Arial" panose="020B0604020202020204" pitchFamily="34" charset="0"/>
-              <a:buChar char="•"/>
-            </a:pPr>
-            <a:r>
-              <a:rPr lang="en-US" sz="2400" dirty="0"/>
-              <a:t>Example flow:</a:t>
-            </a:r>
-          </a:p>
-        </p:txBody>
-      </p:sp>
-      <p:sp>
-        <p:nvSpPr>
-          <p:cNvPr id="10" name="TextBox 9">
-            <a:extLst>
-              <a:ext uri="{FF2B5EF4-FFF2-40B4-BE49-F238E27FC236}">
-                <a16:creationId xmlns:a16="http://schemas.microsoft.com/office/drawing/2014/main" id="{3A341F57-261C-202A-8B91-8BFDA0AC040F}"/>
-              </a:ext>
-            </a:extLst>
-          </p:cNvPr>
-          <p:cNvSpPr txBox="1"/>
-          <p:nvPr/>
-        </p:nvSpPr>
-        <p:spPr>
-          <a:xfrm>
-            <a:off x="925286" y="4782349"/>
-            <a:ext cx="6096000" cy="707886"/>
-          </a:xfrm>
-          <a:prstGeom prst="rect">
-            <a:avLst/>
-          </a:prstGeom>
-          <a:noFill/>
-        </p:spPr>
-        <p:txBody>
-          <a:bodyPr wrap="square">
-            <a:spAutoFit/>
-          </a:bodyPr>
-          <a:lstStyle/>
-          <a:p>
-            <a:r>
-              <a:rPr lang="en-IN" sz="2000" dirty="0">
-                <a:solidFill>
-                  <a:schemeClr val="accent1">
-                    <a:lumMod val="75000"/>
-                  </a:schemeClr>
-                </a:solidFill>
-              </a:rPr>
-              <a:t>Plaintext + Key → 🔒 Encryption → Ciphertext  </a:t>
-            </a:r>
-          </a:p>
-          <a:p>
-            <a:r>
-              <a:rPr lang="en-IN" sz="2000" dirty="0">
-                <a:solidFill>
-                  <a:schemeClr val="accent1">
-                    <a:lumMod val="75000"/>
-                  </a:schemeClr>
-                </a:solidFill>
-              </a:rPr>
-              <a:t>Ciphertext + Same Key → 🔓 Decryption → Plaintext</a:t>
-            </a:r>
-          </a:p>
-        </p:txBody>
-      </p:sp>
-    </p:spTree>
-    <p:extLst>
-      <p:ext uri="{BB962C8B-B14F-4D97-AF65-F5344CB8AC3E}">
-        <p14:creationId xmlns:p14="http://schemas.microsoft.com/office/powerpoint/2010/main" val="1736346412"/>
-      </p:ext>
-    </p:extLst>
-  </p:cSld>
-  <p:clrMapOvr>
-    <a:masterClrMapping/>
-  </p:clrMapOvr>
-</p:sld>
-</file>
-
-<file path=ppt/slides/slide30.xml><?xml version="1.0" encoding="utf-8"?>
+<file path=ppt/slides/slide31.xml><?xml version="1.0" encoding="utf-8"?>
 <p:sld xmlns:a="http://schemas.openxmlformats.org/drawingml/2006/main" xmlns:r="http://schemas.openxmlformats.org/officeDocument/2006/relationships" xmlns:p="http://schemas.openxmlformats.org/presentationml/2006/main">
   <p:cSld>
     <p:spTree>
@@ -41894,8 +41894,8 @@
           </a:p>
         </p:txBody>
       </p:sp>
-      <mc:AlternateContent xmlns:mc="http://schemas.openxmlformats.org/markup-compatibility/2006">
-        <mc:Choice xmlns:a14="http://schemas.microsoft.com/office/drawing/2010/main" Requires="a14">
+      <mc:AlternateContent xmlns:mc="http://schemas.openxmlformats.org/markup-compatibility/2006" xmlns:a14="http://schemas.microsoft.com/office/drawing/2010/main">
+        <mc:Choice Requires="a14">
           <p:sp>
             <p:nvSpPr>
               <p:cNvPr id="4" name="Rectangle: Rounded Corners 3">
@@ -43056,7 +43056,7 @@
             </p:txBody>
           </p:sp>
         </mc:Choice>
-        <mc:Fallback>
+        <mc:Fallback xmlns="">
           <p:sp>
             <p:nvSpPr>
               <p:cNvPr id="4" name="Rectangle: Rounded Corners 3">
@@ -43187,7 +43187,7 @@
 </p:sld>
 </file>
 
-<file path=ppt/slides/slide31.xml><?xml version="1.0" encoding="utf-8"?>
+<file path=ppt/slides/slide32.xml><?xml version="1.0" encoding="utf-8"?>
 <p:sld xmlns:a="http://schemas.openxmlformats.org/drawingml/2006/main" xmlns:r="http://schemas.openxmlformats.org/officeDocument/2006/relationships" xmlns:p="http://schemas.openxmlformats.org/presentationml/2006/main">
   <p:cSld>
     <p:spTree>
@@ -43464,7 +43464,7 @@
 </p:sld>
 </file>
 
-<file path=ppt/slides/slide32.xml><?xml version="1.0" encoding="utf-8"?>
+<file path=ppt/slides/slide33.xml><?xml version="1.0" encoding="utf-8"?>
 <p:sld xmlns:a="http://schemas.openxmlformats.org/drawingml/2006/main" xmlns:r="http://schemas.openxmlformats.org/officeDocument/2006/relationships" xmlns:p="http://schemas.openxmlformats.org/presentationml/2006/main">
   <p:cSld>
     <p:spTree>
@@ -43494,7 +43494,7 @@
 </p:sld>
 </file>
 
-<file path=ppt/slides/slide33.xml><?xml version="1.0" encoding="utf-8"?>
+<file path=ppt/slides/slide34.xml><?xml version="1.0" encoding="utf-8"?>
 <p:sld xmlns:a="http://schemas.openxmlformats.org/drawingml/2006/main" xmlns:r="http://schemas.openxmlformats.org/officeDocument/2006/relationships" xmlns:p="http://schemas.openxmlformats.org/presentationml/2006/main">
   <p:cSld>
     <p:spTree>
@@ -43524,7 +43524,7 @@
 </p:sld>
 </file>
 
-<file path=ppt/slides/slide34.xml><?xml version="1.0" encoding="utf-8"?>
+<file path=ppt/slides/slide35.xml><?xml version="1.0" encoding="utf-8"?>
 <p:sld xmlns:a="http://schemas.openxmlformats.org/drawingml/2006/main" xmlns:r="http://schemas.openxmlformats.org/officeDocument/2006/relationships" xmlns:p="http://schemas.openxmlformats.org/presentationml/2006/main">
   <p:cSld>
     <p:spTree>
@@ -43554,7 +43554,7 @@
 </p:sld>
 </file>
 
-<file path=ppt/slides/slide35.xml><?xml version="1.0" encoding="utf-8"?>
+<file path=ppt/slides/slide36.xml><?xml version="1.0" encoding="utf-8"?>
 <p:sld xmlns:a="http://schemas.openxmlformats.org/drawingml/2006/main" xmlns:r="http://schemas.openxmlformats.org/officeDocument/2006/relationships" xmlns:p="http://schemas.openxmlformats.org/presentationml/2006/main">
   <p:cSld>
     <p:spTree>

--- a/Anurag11.pptx
+++ b/Anurag11.pptx
@@ -5,7 +5,7 @@
     <p:sldMasterId id="2147483708" r:id="rId1"/>
   </p:sldMasterIdLst>
   <p:notesMasterIdLst>
-    <p:notesMasterId r:id="rId38"/>
+    <p:notesMasterId r:id="rId35"/>
   </p:notesMasterIdLst>
   <p:sldIdLst>
     <p:sldId id="297" r:id="rId2"/>
@@ -23,8 +23,8 @@
     <p:sldId id="274" r:id="rId14"/>
     <p:sldId id="275" r:id="rId15"/>
     <p:sldId id="276" r:id="rId16"/>
-    <p:sldId id="278" r:id="rId17"/>
-    <p:sldId id="277" r:id="rId18"/>
+    <p:sldId id="277" r:id="rId17"/>
+    <p:sldId id="278" r:id="rId18"/>
     <p:sldId id="279" r:id="rId19"/>
     <p:sldId id="269" r:id="rId20"/>
     <p:sldId id="270" r:id="rId21"/>
@@ -41,9 +41,6 @@
     <p:sldId id="291" r:id="rId32"/>
     <p:sldId id="292" r:id="rId33"/>
     <p:sldId id="293" r:id="rId34"/>
-    <p:sldId id="294" r:id="rId35"/>
-    <p:sldId id="295" r:id="rId36"/>
-    <p:sldId id="296" r:id="rId37"/>
   </p:sldIdLst>
   <p:sldSz cx="12192000" cy="6858000"/>
   <p:notesSz cx="6858000" cy="9144000"/>
@@ -29707,6 +29704,19 @@
 <file path=ppt/slides/slide1.xml><?xml version="1.0" encoding="utf-8"?>
 <p:sld xmlns:a="http://schemas.openxmlformats.org/drawingml/2006/main" xmlns:r="http://schemas.openxmlformats.org/officeDocument/2006/relationships" xmlns:p="http://schemas.openxmlformats.org/presentationml/2006/main">
   <p:cSld>
+    <p:bg>
+      <p:bgPr>
+        <a:pattFill prst="pct70">
+          <a:fgClr>
+            <a:srgbClr val="CCCCFF"/>
+          </a:fgClr>
+          <a:bgClr>
+            <a:schemeClr val="bg1"/>
+          </a:bgClr>
+        </a:pattFill>
+        <a:effectLst/>
+      </p:bgPr>
+    </p:bg>
     <p:spTree>
       <p:nvGrpSpPr>
         <p:cNvPr id="1" name=""/>
@@ -30993,39 +31003,20 @@
           <a:prstGeom prst="rect">
             <a:avLst/>
           </a:prstGeom>
-          <a:noFill/>
+          <a:pattFill prst="pct50">
+            <a:fgClr>
+              <a:schemeClr val="accent3">
+                <a:lumMod val="75000"/>
+              </a:schemeClr>
+            </a:fgClr>
+            <a:bgClr>
+              <a:schemeClr val="bg1"/>
+            </a:bgClr>
+          </a:pattFill>
           <a:ln>
             <a:noFill/>
           </a:ln>
           <a:effectLst/>
-          <a:extLst>
-            <a:ext uri="{909E8E84-426E-40DD-AFC4-6F175D3DCCD1}">
-              <a14:hiddenFill xmlns:a14="http://schemas.microsoft.com/office/drawing/2010/main">
-                <a:solidFill>
-                  <a:schemeClr val="accent1"/>
-                </a:solidFill>
-              </a14:hiddenFill>
-            </a:ext>
-            <a:ext uri="{91240B29-F687-4F45-9708-019B960494DF}">
-              <a14:hiddenLine xmlns:a14="http://schemas.microsoft.com/office/drawing/2010/main" w="9525">
-                <a:solidFill>
-                  <a:schemeClr val="tx1"/>
-                </a:solidFill>
-                <a:miter lim="800000"/>
-                <a:headEnd/>
-                <a:tailEnd/>
-              </a14:hiddenLine>
-            </a:ext>
-            <a:ext uri="{AF507438-7753-43E0-B8FC-AC1667EBCBE1}">
-              <a14:hiddenEffects xmlns:a14="http://schemas.microsoft.com/office/drawing/2010/main">
-                <a:effectLst>
-                  <a:outerShdw dist="35921" dir="2700000" algn="ctr" rotWithShape="0">
-                    <a:schemeClr val="bg2"/>
-                  </a:outerShdw>
-                </a:effectLst>
-              </a14:hiddenEffects>
-            </a:ext>
-          </a:extLst>
         </p:spPr>
         <p:txBody>
           <a:bodyPr vert="horz" wrap="square" lIns="91440" tIns="45720" rIns="91440" bIns="45720" numCol="1" anchor="ctr" anchorCtr="0" compatLnSpc="1">
@@ -31917,12 +31908,41 @@
         </p:blipFill>
         <p:spPr>
           <a:xfrm>
-            <a:off x="4360669" y="0"/>
+            <a:off x="4360669" y="18472"/>
             <a:ext cx="7831329" cy="6713034"/>
           </a:xfrm>
           <a:prstGeom prst="rect">
             <a:avLst/>
           </a:prstGeom>
+          <a:gradFill>
+            <a:gsLst>
+              <a:gs pos="0">
+                <a:schemeClr val="accent1">
+                  <a:lumMod val="5000"/>
+                  <a:lumOff val="95000"/>
+                </a:schemeClr>
+              </a:gs>
+              <a:gs pos="74000">
+                <a:schemeClr val="accent1">
+                  <a:lumMod val="45000"/>
+                  <a:lumOff val="55000"/>
+                </a:schemeClr>
+              </a:gs>
+              <a:gs pos="83000">
+                <a:schemeClr val="accent1">
+                  <a:lumMod val="45000"/>
+                  <a:lumOff val="55000"/>
+                </a:schemeClr>
+              </a:gs>
+              <a:gs pos="100000">
+                <a:schemeClr val="accent1">
+                  <a:lumMod val="30000"/>
+                  <a:lumOff val="70000"/>
+                </a:schemeClr>
+              </a:gs>
+            </a:gsLst>
+            <a:lin ang="5400000" scaled="1"/>
+          </a:gradFill>
         </p:spPr>
       </p:pic>
       <p:pic>
@@ -32059,7 +32079,7 @@
             </a:r>
             <a:r>
               <a:rPr lang="en-US" dirty="0"/>
-              <a:t> = 1,...,10 and j = 1,2,3. The function g() rotates its four input bytes</a:t>
+              <a:t> = 1,….,10 and j = 1,2,3. The function g() rotates its four input bytes</a:t>
             </a:r>
             <a:endParaRPr lang="en-IN" dirty="0"/>
           </a:p>
@@ -32185,7 +32205,7 @@
         </p:nvSpPr>
         <p:spPr>
           <a:xfrm>
-            <a:off x="387804" y="1449243"/>
+            <a:off x="387804" y="1343249"/>
             <a:ext cx="6239922" cy="4801314"/>
           </a:xfrm>
           <a:prstGeom prst="rect">
@@ -32511,6 +32531,72 @@
       </p:grpSpPr>
       <p:pic>
         <p:nvPicPr>
+          <p:cNvPr id="11" name="Picture 10">
+            <a:extLst>
+              <a:ext uri="{FF2B5EF4-FFF2-40B4-BE49-F238E27FC236}">
+                <a16:creationId xmlns:a16="http://schemas.microsoft.com/office/drawing/2014/main" id="{D5BE2A8C-CB6F-FE23-018C-21594232F9F3}"/>
+              </a:ext>
+            </a:extLst>
+          </p:cNvPr>
+          <p:cNvPicPr>
+            <a:picLocks noChangeAspect="1"/>
+          </p:cNvPicPr>
+          <p:nvPr/>
+        </p:nvPicPr>
+        <p:blipFill>
+          <a:blip r:embed="rId2">
+            <a:extLst>
+              <a:ext uri="{28A0092B-C50C-407E-A947-70E740481C1C}">
+                <a14:useLocalDpi xmlns:a14="http://schemas.microsoft.com/office/drawing/2010/main" val="0"/>
+              </a:ext>
+            </a:extLst>
+          </a:blip>
+          <a:stretch>
+            <a:fillRect/>
+          </a:stretch>
+        </p:blipFill>
+        <p:spPr>
+          <a:xfrm>
+            <a:off x="1207851" y="0"/>
+            <a:ext cx="9776297" cy="6858000"/>
+          </a:xfrm>
+          <a:prstGeom prst="rect">
+            <a:avLst/>
+          </a:prstGeom>
+        </p:spPr>
+      </p:pic>
+    </p:spTree>
+    <p:extLst>
+      <p:ext uri="{BB962C8B-B14F-4D97-AF65-F5344CB8AC3E}">
+        <p14:creationId xmlns:p14="http://schemas.microsoft.com/office/powerpoint/2010/main" val="1333431865"/>
+      </p:ext>
+    </p:extLst>
+  </p:cSld>
+  <p:clrMapOvr>
+    <a:masterClrMapping/>
+  </p:clrMapOvr>
+</p:sld>
+</file>
+
+<file path=ppt/slides/slide17.xml><?xml version="1.0" encoding="utf-8"?>
+<p:sld xmlns:a="http://schemas.openxmlformats.org/drawingml/2006/main" xmlns:r="http://schemas.openxmlformats.org/officeDocument/2006/relationships" xmlns:p="http://schemas.openxmlformats.org/presentationml/2006/main">
+  <p:cSld>
+    <p:spTree>
+      <p:nvGrpSpPr>
+        <p:cNvPr id="1" name=""/>
+        <p:cNvGrpSpPr/>
+        <p:nvPr/>
+      </p:nvGrpSpPr>
+      <p:grpSpPr>
+        <a:xfrm>
+          <a:off x="0" y="0"/>
+          <a:ext cx="0" cy="0"/>
+          <a:chOff x="0" y="0"/>
+          <a:chExt cx="0" cy="0"/>
+        </a:xfrm>
+      </p:grpSpPr>
+      <p:pic>
+        <p:nvPicPr>
           <p:cNvPr id="3" name="Picture 2">
             <a:extLst>
               <a:ext uri="{FF2B5EF4-FFF2-40B4-BE49-F238E27FC236}">
@@ -32549,72 +32635,6 @@
     <p:extLst>
       <p:ext uri="{BB962C8B-B14F-4D97-AF65-F5344CB8AC3E}">
         <p14:creationId xmlns:p14="http://schemas.microsoft.com/office/powerpoint/2010/main" val="726710031"/>
-      </p:ext>
-    </p:extLst>
-  </p:cSld>
-  <p:clrMapOvr>
-    <a:masterClrMapping/>
-  </p:clrMapOvr>
-</p:sld>
-</file>
-
-<file path=ppt/slides/slide17.xml><?xml version="1.0" encoding="utf-8"?>
-<p:sld xmlns:a="http://schemas.openxmlformats.org/drawingml/2006/main" xmlns:r="http://schemas.openxmlformats.org/officeDocument/2006/relationships" xmlns:p="http://schemas.openxmlformats.org/presentationml/2006/main">
-  <p:cSld>
-    <p:spTree>
-      <p:nvGrpSpPr>
-        <p:cNvPr id="1" name=""/>
-        <p:cNvGrpSpPr/>
-        <p:nvPr/>
-      </p:nvGrpSpPr>
-      <p:grpSpPr>
-        <a:xfrm>
-          <a:off x="0" y="0"/>
-          <a:ext cx="0" cy="0"/>
-          <a:chOff x="0" y="0"/>
-          <a:chExt cx="0" cy="0"/>
-        </a:xfrm>
-      </p:grpSpPr>
-      <p:pic>
-        <p:nvPicPr>
-          <p:cNvPr id="11" name="Picture 10">
-            <a:extLst>
-              <a:ext uri="{FF2B5EF4-FFF2-40B4-BE49-F238E27FC236}">
-                <a16:creationId xmlns:a16="http://schemas.microsoft.com/office/drawing/2014/main" id="{D5BE2A8C-CB6F-FE23-018C-21594232F9F3}"/>
-              </a:ext>
-            </a:extLst>
-          </p:cNvPr>
-          <p:cNvPicPr>
-            <a:picLocks noChangeAspect="1"/>
-          </p:cNvPicPr>
-          <p:nvPr/>
-        </p:nvPicPr>
-        <p:blipFill>
-          <a:blip r:embed="rId2">
-            <a:extLst>
-              <a:ext uri="{28A0092B-C50C-407E-A947-70E740481C1C}">
-                <a14:useLocalDpi xmlns:a14="http://schemas.microsoft.com/office/drawing/2010/main" val="0"/>
-              </a:ext>
-            </a:extLst>
-          </a:blip>
-          <a:stretch>
-            <a:fillRect/>
-          </a:stretch>
-        </p:blipFill>
-        <p:spPr>
-          <a:xfrm>
-            <a:off x="1207851" y="0"/>
-            <a:ext cx="9776297" cy="6858000"/>
-          </a:xfrm>
-          <a:prstGeom prst="rect">
-            <a:avLst/>
-          </a:prstGeom>
-        </p:spPr>
-      </p:pic>
-    </p:spTree>
-    <p:extLst>
-      <p:ext uri="{BB962C8B-B14F-4D97-AF65-F5344CB8AC3E}">
-        <p14:creationId xmlns:p14="http://schemas.microsoft.com/office/powerpoint/2010/main" val="1333431865"/>
       </p:ext>
     </p:extLst>
   </p:cSld>
@@ -34908,8 +34928,8 @@
           </a:prstGeom>
         </p:spPr>
       </p:pic>
-      <mc:AlternateContent xmlns:mc="http://schemas.openxmlformats.org/markup-compatibility/2006" xmlns:a14="http://schemas.microsoft.com/office/drawing/2010/main">
-        <mc:Choice Requires="a14">
+      <mc:AlternateContent xmlns:mc="http://schemas.openxmlformats.org/markup-compatibility/2006">
+        <mc:Choice xmlns:a14="http://schemas.microsoft.com/office/drawing/2010/main" Requires="a14">
           <p:sp>
             <p:nvSpPr>
               <p:cNvPr id="21" name="Rectangle: Rounded Corners 20">
@@ -34924,8 +34944,8 @@
             </p:nvSpPr>
             <p:spPr>
               <a:xfrm>
-                <a:off x="294114" y="2810244"/>
-                <a:ext cx="6182686" cy="2501718"/>
+                <a:off x="294114" y="2296886"/>
+                <a:ext cx="6019600" cy="3015076"/>
               </a:xfrm>
               <a:prstGeom prst="roundRect">
                 <a:avLst/>
@@ -34956,6 +34976,74 @@
             <p:txBody>
               <a:bodyPr rtlCol="0" anchor="ctr"/>
               <a:lstStyle/>
+              <a:p>
+                <a:pPr lvl="0" defTabSz="914400" eaLnBrk="0" fontAlgn="base" hangingPunct="0">
+                  <a:spcBef>
+                    <a:spcPct val="0"/>
+                  </a:spcBef>
+                  <a:spcAft>
+                    <a:spcPct val="0"/>
+                  </a:spcAft>
+                </a:pPr>
+                <a:endParaRPr lang="en-US" altLang="en-US" sz="1600" dirty="0">
+                  <a:solidFill>
+                    <a:schemeClr val="tx1"/>
+                  </a:solidFill>
+                  <a:latin typeface="Arial" panose="020B0604020202020204" pitchFamily="34" charset="0"/>
+                </a:endParaRPr>
+              </a:p>
+              <a:p>
+                <a:pPr lvl="0" defTabSz="914400" eaLnBrk="0" fontAlgn="base" hangingPunct="0">
+                  <a:spcBef>
+                    <a:spcPct val="0"/>
+                  </a:spcBef>
+                  <a:spcAft>
+                    <a:spcPct val="0"/>
+                  </a:spcAft>
+                </a:pPr>
+                <a:r>
+                  <a:rPr lang="en-US" sz="1600" b="1" dirty="0">
+                    <a:solidFill>
+                      <a:schemeClr val="tx1">
+                        <a:lumMod val="85000"/>
+                        <a:lumOff val="15000"/>
+                      </a:schemeClr>
+                    </a:solidFill>
+                  </a:rPr>
+                  <a:t>Let e() be a block cipher of block size b, and let xi and </a:t>
+                </a:r>
+                <a:r>
+                  <a:rPr lang="en-US" sz="1600" b="1" dirty="0" err="1">
+                    <a:solidFill>
+                      <a:schemeClr val="tx1">
+                        <a:lumMod val="85000"/>
+                        <a:lumOff val="15000"/>
+                      </a:schemeClr>
+                    </a:solidFill>
+                  </a:rPr>
+                  <a:t>yi</a:t>
+                </a:r>
+                <a:r>
+                  <a:rPr lang="en-US" sz="1600" b="1" dirty="0">
+                    <a:solidFill>
+                      <a:schemeClr val="tx1">
+                        <a:lumMod val="85000"/>
+                        <a:lumOff val="15000"/>
+                      </a:schemeClr>
+                    </a:solidFill>
+                  </a:rPr>
+                  <a:t> be bit strings of length b:</a:t>
+                </a:r>
+                <a:endParaRPr lang="en-US" altLang="en-US" sz="1600" b="1" dirty="0">
+                  <a:solidFill>
+                    <a:schemeClr val="tx1">
+                      <a:lumMod val="85000"/>
+                      <a:lumOff val="15000"/>
+                    </a:schemeClr>
+                  </a:solidFill>
+                  <a:latin typeface="Arial" panose="020B0604020202020204" pitchFamily="34" charset="0"/>
+                </a:endParaRPr>
+              </a:p>
               <a:p>
                 <a:pPr lvl="0" defTabSz="914400" eaLnBrk="0" fontAlgn="base" hangingPunct="0">
                   <a:spcBef>
@@ -35169,7 +35257,16 @@
                         </a:solidFill>
                         <a:latin typeface="Cambria Math" panose="02040503050406030204" pitchFamily="18" charset="0"/>
                       </a:rPr>
-                      <m:t>≥1</m:t>
+                      <m:t>≥</m:t>
+                    </m:r>
+                    <m:r>
+                      <a:rPr lang="en-US" altLang="en-US" b="0" i="1" dirty="0" smtClean="0">
+                        <a:solidFill>
+                          <a:schemeClr val="tx1"/>
+                        </a:solidFill>
+                        <a:latin typeface="Cambria Math" panose="02040503050406030204" pitchFamily="18" charset="0"/>
+                      </a:rPr>
+                      <m:t>1</m:t>
                     </m:r>
                   </m:oMath>
                 </a14:m>
@@ -35360,7 +35457,16 @@
                                   </a:solidFill>
                                   <a:latin typeface="Cambria Math" panose="02040503050406030204" pitchFamily="18" charset="0"/>
                                 </a:rPr>
-                                <m:t>−1</m:t>
+                                <m:t>−</m:t>
+                              </m:r>
+                              <m:r>
+                                <a:rPr lang="en-US" altLang="en-US" i="1">
+                                  <a:solidFill>
+                                    <a:schemeClr val="tx1"/>
+                                  </a:solidFill>
+                                  <a:latin typeface="Cambria Math" panose="02040503050406030204" pitchFamily="18" charset="0"/>
+                                </a:rPr>
+                                <m:t>1</m:t>
                               </m:r>
                             </m:e>
                           </m:d>
@@ -35458,7 +35564,16 @@
                           </a:solidFill>
                           <a:latin typeface="Cambria Math" panose="02040503050406030204" pitchFamily="18" charset="0"/>
                         </a:rPr>
-                        <m:t>≥1</m:t>
+                        <m:t>≥</m:t>
+                      </m:r>
+                      <m:r>
+                        <a:rPr lang="en-US" altLang="en-US" i="1" dirty="0">
+                          <a:solidFill>
+                            <a:schemeClr val="tx1"/>
+                          </a:solidFill>
+                          <a:latin typeface="Cambria Math" panose="02040503050406030204" pitchFamily="18" charset="0"/>
+                        </a:rPr>
+                        <m:t>1</m:t>
                       </m:r>
                     </m:oMath>
                   </m:oMathPara>
@@ -35504,7 +35619,7 @@
             </p:txBody>
           </p:sp>
         </mc:Choice>
-        <mc:Fallback xmlns="">
+        <mc:Fallback>
           <p:sp>
             <p:nvSpPr>
               <p:cNvPr id="21" name="Rectangle: Rounded Corners 20">
@@ -35521,8 +35636,8 @@
             </p:nvSpPr>
             <p:spPr>
               <a:xfrm>
-                <a:off x="294114" y="2810244"/>
-                <a:ext cx="6182686" cy="2501718"/>
+                <a:off x="294114" y="2296886"/>
+                <a:ext cx="6019600" cy="3015076"/>
               </a:xfrm>
               <a:prstGeom prst="roundRect">
                 <a:avLst/>
@@ -35530,7 +35645,7 @@
               <a:blipFill>
                 <a:blip r:embed="rId3"/>
                 <a:stretch>
-                  <a:fillRect t="-1707"/>
+                  <a:fillRect/>
                 </a:stretch>
               </a:blipFill>
               <a:ln>
@@ -37867,7 +37982,16 @@
                                   </a:solidFill>
                                   <a:latin typeface="Cambria Math" panose="02040503050406030204" pitchFamily="18" charset="0"/>
                                 </a:rPr>
-                                <m:t>−1</m:t>
+                                <m:t>−</m:t>
+                              </m:r>
+                              <m:r>
+                                <a:rPr lang="en-US" altLang="en-US" sz="1400" b="0" i="1" smtClean="0">
+                                  <a:solidFill>
+                                    <a:schemeClr val="tx1"/>
+                                  </a:solidFill>
+                                  <a:latin typeface="Cambria Math" panose="02040503050406030204" pitchFamily="18" charset="0"/>
+                                </a:rPr>
+                                <m:t>1</m:t>
                               </m:r>
                             </m:sub>
                           </m:sSub>
@@ -37950,7 +38074,16 @@
                           </a:solidFill>
                           <a:latin typeface="Cambria Math" panose="02040503050406030204" pitchFamily="18" charset="0"/>
                         </a:rPr>
-                        <m:t>≥2</m:t>
+                        <m:t>≥</m:t>
+                      </m:r>
+                      <m:r>
+                        <a:rPr lang="en-US" altLang="en-US" sz="1400" b="0" i="1" smtClean="0">
+                          <a:solidFill>
+                            <a:schemeClr val="tx1"/>
+                          </a:solidFill>
+                          <a:latin typeface="Cambria Math" panose="02040503050406030204" pitchFamily="18" charset="0"/>
+                        </a:rPr>
+                        <m:t>2</m:t>
                       </m:r>
                     </m:oMath>
                   </m:oMathPara>
@@ -38393,7 +38526,16 @@
                                   </a:solidFill>
                                   <a:latin typeface="Cambria Math" panose="02040503050406030204" pitchFamily="18" charset="0"/>
                                 </a:rPr>
-                                <m:t>−1</m:t>
+                                <m:t>−</m:t>
+                              </m:r>
+                              <m:r>
+                                <a:rPr lang="en-US" altLang="en-US" sz="1400" i="1">
+                                  <a:solidFill>
+                                    <a:schemeClr val="tx1"/>
+                                  </a:solidFill>
+                                  <a:latin typeface="Cambria Math" panose="02040503050406030204" pitchFamily="18" charset="0"/>
+                                </a:rPr>
+                                <m:t>1</m:t>
                               </m:r>
                             </m:sub>
                           </m:sSub>
@@ -38476,7 +38618,16 @@
                           </a:solidFill>
                           <a:latin typeface="Cambria Math" panose="02040503050406030204" pitchFamily="18" charset="0"/>
                         </a:rPr>
-                        <m:t>≥2</m:t>
+                        <m:t>≥</m:t>
+                      </m:r>
+                      <m:r>
+                        <a:rPr lang="en-US" altLang="en-US" sz="1400" i="1">
+                          <a:solidFill>
+                            <a:schemeClr val="tx1"/>
+                          </a:solidFill>
+                          <a:latin typeface="Cambria Math" panose="02040503050406030204" pitchFamily="18" charset="0"/>
+                        </a:rPr>
+                        <m:t>2</m:t>
                       </m:r>
                     </m:oMath>
                   </m:oMathPara>
@@ -39463,7 +39614,16 @@
                                   </a:solidFill>
                                   <a:latin typeface="Cambria Math" panose="02040503050406030204" pitchFamily="18" charset="0"/>
                                 </a:rPr>
-                                <m:t>−1</m:t>
+                                <m:t>−</m:t>
+                              </m:r>
+                              <m:r>
+                                <a:rPr lang="en-US" altLang="en-US" sz="1400" b="0" i="1" smtClean="0">
+                                  <a:solidFill>
+                                    <a:schemeClr val="tx1"/>
+                                  </a:solidFill>
+                                  <a:latin typeface="Cambria Math" panose="02040503050406030204" pitchFamily="18" charset="0"/>
+                                </a:rPr>
+                                <m:t>1</m:t>
                               </m:r>
                             </m:sub>
                           </m:sSub>
@@ -39650,7 +39810,16 @@
                           </a:solidFill>
                           <a:latin typeface="Cambria Math" panose="02040503050406030204" pitchFamily="18" charset="0"/>
                         </a:rPr>
-                        <m:t>≥2</m:t>
+                        <m:t>≥</m:t>
+                      </m:r>
+                      <m:r>
+                        <a:rPr lang="en-US" altLang="en-US" sz="1400" b="0" i="1" smtClean="0">
+                          <a:solidFill>
+                            <a:schemeClr val="tx1"/>
+                          </a:solidFill>
+                          <a:latin typeface="Cambria Math" panose="02040503050406030204" pitchFamily="18" charset="0"/>
+                        </a:rPr>
+                        <m:t>2</m:t>
                       </m:r>
                     </m:oMath>
                   </m:oMathPara>
@@ -39923,7 +40092,31 @@
                           </a:solidFill>
                           <a:latin typeface="Cambria Math" panose="02040503050406030204" pitchFamily="18" charset="0"/>
                         </a:rPr>
-                        <m:t>_1 </m:t>
+                        <m:t>_</m:t>
+                      </m:r>
+                      <m:r>
+                        <a:rPr lang="en-US" altLang="en-US" sz="1400" b="0" i="1" smtClean="0">
+                          <a:solidFill>
+                            <a:schemeClr val="tx1">
+                              <a:lumMod val="85000"/>
+                              <a:lumOff val="15000"/>
+                            </a:schemeClr>
+                          </a:solidFill>
+                          <a:latin typeface="Cambria Math" panose="02040503050406030204" pitchFamily="18" charset="0"/>
+                        </a:rPr>
+                        <m:t>1</m:t>
+                      </m:r>
+                      <m:r>
+                        <a:rPr lang="en-US" altLang="en-US" sz="1400" b="0" i="1" smtClean="0">
+                          <a:solidFill>
+                            <a:schemeClr val="tx1">
+                              <a:lumMod val="85000"/>
+                              <a:lumOff val="15000"/>
+                            </a:schemeClr>
+                          </a:solidFill>
+                          <a:latin typeface="Cambria Math" panose="02040503050406030204" pitchFamily="18" charset="0"/>
+                        </a:rPr>
+                        <m:t> </m:t>
                       </m:r>
                       <m:r>
                         <a:rPr lang="en-US" altLang="en-US" sz="1400" i="1">
@@ -40178,7 +40371,16 @@
                                   </a:solidFill>
                                   <a:latin typeface="Cambria Math" panose="02040503050406030204" pitchFamily="18" charset="0"/>
                                 </a:rPr>
-                                <m:t>−1</m:t>
+                                <m:t>−</m:t>
+                              </m:r>
+                              <m:r>
+                                <a:rPr lang="en-US" altLang="en-US" sz="1400" i="1">
+                                  <a:solidFill>
+                                    <a:schemeClr val="tx1"/>
+                                  </a:solidFill>
+                                  <a:latin typeface="Cambria Math" panose="02040503050406030204" pitchFamily="18" charset="0"/>
+                                </a:rPr>
+                                <m:t>1</m:t>
                               </m:r>
                             </m:sub>
                           </m:sSub>
@@ -40365,7 +40567,16 @@
                           </a:solidFill>
                           <a:latin typeface="Cambria Math" panose="02040503050406030204" pitchFamily="18" charset="0"/>
                         </a:rPr>
-                        <m:t>≥2</m:t>
+                        <m:t>≥</m:t>
+                      </m:r>
+                      <m:r>
+                        <a:rPr lang="en-US" altLang="en-US" sz="1400" i="1">
+                          <a:solidFill>
+                            <a:schemeClr val="tx1"/>
+                          </a:solidFill>
+                          <a:latin typeface="Cambria Math" panose="02040503050406030204" pitchFamily="18" charset="0"/>
+                        </a:rPr>
+                        <m:t>2</m:t>
                       </m:r>
                     </m:oMath>
                   </m:oMathPara>
@@ -40594,7 +40805,14 @@
           <a:prstGeom prst="rect">
             <a:avLst/>
           </a:prstGeom>
-          <a:noFill/>
+          <a:pattFill prst="pct90">
+            <a:fgClr>
+              <a:srgbClr val="CCCCFF"/>
+            </a:fgClr>
+            <a:bgClr>
+              <a:srgbClr val="00B050"/>
+            </a:bgClr>
+          </a:pattFill>
         </p:spPr>
         <p:txBody>
           <a:bodyPr wrap="square" rtlCol="0">
@@ -41894,8 +42112,8 @@
           </a:p>
         </p:txBody>
       </p:sp>
-      <mc:AlternateContent xmlns:mc="http://schemas.openxmlformats.org/markup-compatibility/2006" xmlns:a14="http://schemas.microsoft.com/office/drawing/2010/main">
-        <mc:Choice Requires="a14">
+      <mc:AlternateContent xmlns:mc="http://schemas.openxmlformats.org/markup-compatibility/2006">
+        <mc:Choice xmlns:a14="http://schemas.microsoft.com/office/drawing/2010/main" Requires="a14">
           <p:sp>
             <p:nvSpPr>
               <p:cNvPr id="4" name="Rectangle: Rounded Corners 3">
@@ -41910,8 +42128,8 @@
             </p:nvSpPr>
             <p:spPr>
               <a:xfrm>
-                <a:off x="501864" y="2621849"/>
-                <a:ext cx="7945449" cy="3780059"/>
+                <a:off x="501864" y="2494030"/>
+                <a:ext cx="7385412" cy="3780059"/>
               </a:xfrm>
               <a:prstGeom prst="roundRect">
                 <a:avLst/>
@@ -42419,7 +42637,28 @@
                       </a:schemeClr>
                     </a:solidFill>
                   </a:rPr>
-                  <a:t>. Authentication a. Generate authentication subkey H = ek(0) b. Compute g0 = AAD×H (Galois field multiplication) </a:t>
+                  <a:t>. Authentication a. Generate authentication subkey H = ek(0) </a:t>
+                </a:r>
+              </a:p>
+              <a:p>
+                <a:pPr lvl="0" defTabSz="914400" eaLnBrk="0" fontAlgn="base" hangingPunct="0">
+                  <a:spcBef>
+                    <a:spcPct val="0"/>
+                  </a:spcBef>
+                  <a:spcAft>
+                    <a:spcPct val="0"/>
+                  </a:spcAft>
+                </a:pPr>
+                <a:r>
+                  <a:rPr lang="en-US" sz="1600" dirty="0">
+                    <a:solidFill>
+                      <a:schemeClr val="tx1">
+                        <a:lumMod val="85000"/>
+                        <a:lumOff val="15000"/>
+                      </a:schemeClr>
+                    </a:solidFill>
+                  </a:rPr>
+                  <a:t>b. Compute g0 = AAD×H (Galois field multiplication) </a:t>
                 </a:r>
               </a:p>
               <a:p>
@@ -43056,7 +43295,7 @@
             </p:txBody>
           </p:sp>
         </mc:Choice>
-        <mc:Fallback xmlns="">
+        <mc:Fallback>
           <p:sp>
             <p:nvSpPr>
               <p:cNvPr id="4" name="Rectangle: Rounded Corners 3">
@@ -43073,8 +43312,8 @@
             </p:nvSpPr>
             <p:spPr>
               <a:xfrm>
-                <a:off x="501864" y="2621849"/>
-                <a:ext cx="7945449" cy="3780059"/>
+                <a:off x="501864" y="2494030"/>
+                <a:ext cx="7385412" cy="3780059"/>
               </a:xfrm>
               <a:prstGeom prst="roundRect">
                 <a:avLst/>
@@ -43174,6 +43413,36 @@
           </a:p>
         </p:txBody>
       </p:sp>
+      <p:pic>
+        <p:nvPicPr>
+          <p:cNvPr id="10" name="Picture 9">
+            <a:extLst>
+              <a:ext uri="{FF2B5EF4-FFF2-40B4-BE49-F238E27FC236}">
+                <a16:creationId xmlns:a16="http://schemas.microsoft.com/office/drawing/2014/main" id="{5E6B3078-A0F4-4FF0-5A38-EDE306E14198}"/>
+              </a:ext>
+            </a:extLst>
+          </p:cNvPr>
+          <p:cNvPicPr>
+            <a:picLocks noChangeAspect="1"/>
+          </p:cNvPicPr>
+          <p:nvPr/>
+        </p:nvPicPr>
+        <p:blipFill>
+          <a:blip r:embed="rId3"/>
+          <a:stretch>
+            <a:fillRect/>
+          </a:stretch>
+        </p:blipFill>
+        <p:spPr>
+          <a:xfrm>
+            <a:off x="7887276" y="662295"/>
+            <a:ext cx="4304724" cy="3880207"/>
+          </a:xfrm>
+          <a:prstGeom prst="rect">
+            <a:avLst/>
+          </a:prstGeom>
+        </p:spPr>
+      </p:pic>
     </p:spTree>
     <p:extLst>
       <p:ext uri="{BB962C8B-B14F-4D97-AF65-F5344CB8AC3E}">
@@ -43481,100 +43750,40 @@
           <a:chExt cx="0" cy="0"/>
         </a:xfrm>
       </p:grpSpPr>
+      <p:pic>
+        <p:nvPicPr>
+          <p:cNvPr id="4" name="Picture 3">
+            <a:extLst>
+              <a:ext uri="{FF2B5EF4-FFF2-40B4-BE49-F238E27FC236}">
+                <a16:creationId xmlns:a16="http://schemas.microsoft.com/office/drawing/2014/main" id="{1CF9A10E-3568-4172-89FC-382CEFC611C5}"/>
+              </a:ext>
+            </a:extLst>
+          </p:cNvPr>
+          <p:cNvPicPr>
+            <a:picLocks noChangeAspect="1"/>
+          </p:cNvPicPr>
+          <p:nvPr/>
+        </p:nvPicPr>
+        <p:blipFill>
+          <a:blip r:embed="rId2"/>
+          <a:stretch>
+            <a:fillRect/>
+          </a:stretch>
+        </p:blipFill>
+        <p:spPr>
+          <a:xfrm>
+            <a:off x="0" y="748145"/>
+            <a:ext cx="12284363" cy="6169891"/>
+          </a:xfrm>
+          <a:prstGeom prst="rect">
+            <a:avLst/>
+          </a:prstGeom>
+        </p:spPr>
+      </p:pic>
     </p:spTree>
     <p:extLst>
       <p:ext uri="{BB962C8B-B14F-4D97-AF65-F5344CB8AC3E}">
         <p14:creationId xmlns:p14="http://schemas.microsoft.com/office/powerpoint/2010/main" val="1131517484"/>
-      </p:ext>
-    </p:extLst>
-  </p:cSld>
-  <p:clrMapOvr>
-    <a:masterClrMapping/>
-  </p:clrMapOvr>
-</p:sld>
-</file>
-
-<file path=ppt/slides/slide34.xml><?xml version="1.0" encoding="utf-8"?>
-<p:sld xmlns:a="http://schemas.openxmlformats.org/drawingml/2006/main" xmlns:r="http://schemas.openxmlformats.org/officeDocument/2006/relationships" xmlns:p="http://schemas.openxmlformats.org/presentationml/2006/main">
-  <p:cSld>
-    <p:spTree>
-      <p:nvGrpSpPr>
-        <p:cNvPr id="1" name=""/>
-        <p:cNvGrpSpPr/>
-        <p:nvPr/>
-      </p:nvGrpSpPr>
-      <p:grpSpPr>
-        <a:xfrm>
-          <a:off x="0" y="0"/>
-          <a:ext cx="0" cy="0"/>
-          <a:chOff x="0" y="0"/>
-          <a:chExt cx="0" cy="0"/>
-        </a:xfrm>
-      </p:grpSpPr>
-    </p:spTree>
-    <p:extLst>
-      <p:ext uri="{BB962C8B-B14F-4D97-AF65-F5344CB8AC3E}">
-        <p14:creationId xmlns:p14="http://schemas.microsoft.com/office/powerpoint/2010/main" val="3792153453"/>
-      </p:ext>
-    </p:extLst>
-  </p:cSld>
-  <p:clrMapOvr>
-    <a:masterClrMapping/>
-  </p:clrMapOvr>
-</p:sld>
-</file>
-
-<file path=ppt/slides/slide35.xml><?xml version="1.0" encoding="utf-8"?>
-<p:sld xmlns:a="http://schemas.openxmlformats.org/drawingml/2006/main" xmlns:r="http://schemas.openxmlformats.org/officeDocument/2006/relationships" xmlns:p="http://schemas.openxmlformats.org/presentationml/2006/main">
-  <p:cSld>
-    <p:spTree>
-      <p:nvGrpSpPr>
-        <p:cNvPr id="1" name=""/>
-        <p:cNvGrpSpPr/>
-        <p:nvPr/>
-      </p:nvGrpSpPr>
-      <p:grpSpPr>
-        <a:xfrm>
-          <a:off x="0" y="0"/>
-          <a:ext cx="0" cy="0"/>
-          <a:chOff x="0" y="0"/>
-          <a:chExt cx="0" cy="0"/>
-        </a:xfrm>
-      </p:grpSpPr>
-    </p:spTree>
-    <p:extLst>
-      <p:ext uri="{BB962C8B-B14F-4D97-AF65-F5344CB8AC3E}">
-        <p14:creationId xmlns:p14="http://schemas.microsoft.com/office/powerpoint/2010/main" val="3545062434"/>
-      </p:ext>
-    </p:extLst>
-  </p:cSld>
-  <p:clrMapOvr>
-    <a:masterClrMapping/>
-  </p:clrMapOvr>
-</p:sld>
-</file>
-
-<file path=ppt/slides/slide36.xml><?xml version="1.0" encoding="utf-8"?>
-<p:sld xmlns:a="http://schemas.openxmlformats.org/drawingml/2006/main" xmlns:r="http://schemas.openxmlformats.org/officeDocument/2006/relationships" xmlns:p="http://schemas.openxmlformats.org/presentationml/2006/main">
-  <p:cSld>
-    <p:spTree>
-      <p:nvGrpSpPr>
-        <p:cNvPr id="1" name=""/>
-        <p:cNvGrpSpPr/>
-        <p:nvPr/>
-      </p:nvGrpSpPr>
-      <p:grpSpPr>
-        <a:xfrm>
-          <a:off x="0" y="0"/>
-          <a:ext cx="0" cy="0"/>
-          <a:chOff x="0" y="0"/>
-          <a:chExt cx="0" cy="0"/>
-        </a:xfrm>
-      </p:grpSpPr>
-    </p:spTree>
-    <p:extLst>
-      <p:ext uri="{BB962C8B-B14F-4D97-AF65-F5344CB8AC3E}">
-        <p14:creationId xmlns:p14="http://schemas.microsoft.com/office/powerpoint/2010/main" val="1375474454"/>
       </p:ext>
     </p:extLst>
   </p:cSld>
@@ -44433,8 +44642,8 @@
         </p:nvSpPr>
         <p:spPr>
           <a:xfrm>
-            <a:off x="90823" y="2961667"/>
-            <a:ext cx="6184362" cy="3847207"/>
+            <a:off x="124311" y="2823168"/>
+            <a:ext cx="6097604" cy="3847207"/>
           </a:xfrm>
           <a:prstGeom prst="ellipse">
             <a:avLst/>
@@ -44499,7 +44708,7 @@
         </p:nvSpPr>
         <p:spPr bwMode="auto">
           <a:xfrm>
-            <a:off x="1326826" y="3285432"/>
+            <a:off x="1514882" y="3010793"/>
             <a:ext cx="4022240" cy="3847207"/>
           </a:xfrm>
           <a:prstGeom prst="rect">
@@ -45947,7 +46156,14 @@
           <a:prstGeom prst="rect">
             <a:avLst/>
           </a:prstGeom>
-          <a:noFill/>
+          <a:pattFill prst="pct25">
+            <a:fgClr>
+              <a:schemeClr val="accent1"/>
+            </a:fgClr>
+            <a:bgClr>
+              <a:schemeClr val="bg1"/>
+            </a:bgClr>
+          </a:pattFill>
         </p:spPr>
         <p:txBody>
           <a:bodyPr wrap="square">
@@ -45979,53 +46195,6 @@
           </a:p>
         </p:txBody>
       </p:sp>
-      <p:pic>
-        <p:nvPicPr>
-          <p:cNvPr id="6146" name="Picture 2">
-            <a:extLst>
-              <a:ext uri="{FF2B5EF4-FFF2-40B4-BE49-F238E27FC236}">
-                <a16:creationId xmlns:a16="http://schemas.microsoft.com/office/drawing/2014/main" id="{D7147862-C7EC-B3E1-AA5D-6D7D00490159}"/>
-              </a:ext>
-            </a:extLst>
-          </p:cNvPr>
-          <p:cNvPicPr>
-            <a:picLocks noChangeAspect="1" noChangeArrowheads="1"/>
-          </p:cNvPicPr>
-          <p:nvPr/>
-        </p:nvPicPr>
-        <p:blipFill>
-          <a:blip r:embed="rId2">
-            <a:extLst>
-              <a:ext uri="{28A0092B-C50C-407E-A947-70E740481C1C}">
-                <a14:useLocalDpi xmlns:a14="http://schemas.microsoft.com/office/drawing/2010/main" val="0"/>
-              </a:ext>
-            </a:extLst>
-          </a:blip>
-          <a:srcRect/>
-          <a:stretch>
-            <a:fillRect/>
-          </a:stretch>
-        </p:blipFill>
-        <p:spPr bwMode="auto">
-          <a:xfrm>
-            <a:off x="7182852" y="1045107"/>
-            <a:ext cx="4014336" cy="4275103"/>
-          </a:xfrm>
-          <a:prstGeom prst="rect">
-            <a:avLst/>
-          </a:prstGeom>
-          <a:noFill/>
-          <a:extLst>
-            <a:ext uri="{909E8E84-426E-40DD-AFC4-6F175D3DCCD1}">
-              <a14:hiddenFill xmlns:a14="http://schemas.microsoft.com/office/drawing/2010/main">
-                <a:solidFill>
-                  <a:srgbClr val="FFFFFF"/>
-                </a:solidFill>
-              </a14:hiddenFill>
-            </a:ext>
-          </a:extLst>
-        </p:spPr>
-      </p:pic>
       <p:sp>
         <p:nvSpPr>
           <p:cNvPr id="10" name="TextBox 9">
@@ -46168,6 +46337,53 @@
           </a:p>
         </p:txBody>
       </p:sp>
+      <p:pic>
+        <p:nvPicPr>
+          <p:cNvPr id="4" name="Picture 4">
+            <a:extLst>
+              <a:ext uri="{FF2B5EF4-FFF2-40B4-BE49-F238E27FC236}">
+                <a16:creationId xmlns:a16="http://schemas.microsoft.com/office/drawing/2014/main" id="{604C6FFA-CAED-39CB-A7F7-E978F64E0430}"/>
+              </a:ext>
+            </a:extLst>
+          </p:cNvPr>
+          <p:cNvPicPr>
+            <a:picLocks noChangeAspect="1" noChangeArrowheads="1"/>
+          </p:cNvPicPr>
+          <p:nvPr/>
+        </p:nvPicPr>
+        <p:blipFill>
+          <a:blip r:embed="rId2">
+            <a:extLst>
+              <a:ext uri="{28A0092B-C50C-407E-A947-70E740481C1C}">
+                <a14:useLocalDpi xmlns:a14="http://schemas.microsoft.com/office/drawing/2010/main" val="0"/>
+              </a:ext>
+            </a:extLst>
+          </a:blip>
+          <a:srcRect/>
+          <a:stretch>
+            <a:fillRect/>
+          </a:stretch>
+        </p:blipFill>
+        <p:spPr bwMode="auto">
+          <a:xfrm>
+            <a:off x="6934200" y="1347039"/>
+            <a:ext cx="5257800" cy="5399314"/>
+          </a:xfrm>
+          <a:prstGeom prst="rect">
+            <a:avLst/>
+          </a:prstGeom>
+          <a:noFill/>
+          <a:extLst>
+            <a:ext uri="{909E8E84-426E-40DD-AFC4-6F175D3DCCD1}">
+              <a14:hiddenFill xmlns:a14="http://schemas.microsoft.com/office/drawing/2010/main">
+                <a:solidFill>
+                  <a:srgbClr val="FFFFFF"/>
+                </a:solidFill>
+              </a14:hiddenFill>
+            </a:ext>
+          </a:extLst>
+        </p:spPr>
+      </p:pic>
     </p:spTree>
     <p:extLst>
       <p:ext uri="{BB962C8B-B14F-4D97-AF65-F5344CB8AC3E}">
@@ -46264,107 +46480,6 @@
           </a:p>
         </p:txBody>
       </p:sp>
-      <p:pic>
-        <p:nvPicPr>
-          <p:cNvPr id="7" name="Picture 6">
-            <a:extLst>
-              <a:ext uri="{FF2B5EF4-FFF2-40B4-BE49-F238E27FC236}">
-                <a16:creationId xmlns:a16="http://schemas.microsoft.com/office/drawing/2014/main" id="{52F6D897-C80B-8E70-4DCE-3608D1FC18F1}"/>
-              </a:ext>
-            </a:extLst>
-          </p:cNvPr>
-          <p:cNvPicPr>
-            <a:picLocks noChangeAspect="1"/>
-          </p:cNvPicPr>
-          <p:nvPr/>
-        </p:nvPicPr>
-        <p:blipFill>
-          <a:blip r:embed="rId2">
-            <a:extLst>
-              <a:ext uri="{28A0092B-C50C-407E-A947-70E740481C1C}">
-                <a14:useLocalDpi xmlns:a14="http://schemas.microsoft.com/office/drawing/2010/main" val="0"/>
-              </a:ext>
-            </a:extLst>
-          </a:blip>
-          <a:stretch>
-            <a:fillRect/>
-          </a:stretch>
-        </p:blipFill>
-        <p:spPr>
-          <a:xfrm>
-            <a:off x="3643162" y="1394204"/>
-            <a:ext cx="7749036" cy="5185016"/>
-          </a:xfrm>
-          <a:prstGeom prst="rect">
-            <a:avLst/>
-          </a:prstGeom>
-          <a:ln w="127000" cap="rnd">
-            <a:solidFill>
-              <a:srgbClr val="FFFFFF"/>
-            </a:solidFill>
-          </a:ln>
-          <a:effectLst>
-            <a:outerShdw blurRad="76200" dist="95250" dir="10500000" sx="97000" sy="23000" kx="900000" algn="br" rotWithShape="0">
-              <a:srgbClr val="000000">
-                <a:alpha val="20000"/>
-              </a:srgbClr>
-            </a:outerShdw>
-          </a:effectLst>
-          <a:scene3d>
-            <a:camera prst="orthographicFront"/>
-            <a:lightRig rig="twoPt" dir="t">
-              <a:rot lat="0" lon="0" rev="7800000"/>
-            </a:lightRig>
-          </a:scene3d>
-          <a:sp3d contourW="6350">
-            <a:bevelT w="50800" h="16510"/>
-            <a:contourClr>
-              <a:srgbClr val="C0C0C0"/>
-            </a:contourClr>
-          </a:sp3d>
-        </p:spPr>
-      </p:pic>
-      <p:cxnSp>
-        <p:nvCxnSpPr>
-          <p:cNvPr id="9" name="Straight Arrow Connector 8">
-            <a:extLst>
-              <a:ext uri="{FF2B5EF4-FFF2-40B4-BE49-F238E27FC236}">
-                <a16:creationId xmlns:a16="http://schemas.microsoft.com/office/drawing/2014/main" id="{B8F7E5DE-8A9F-E65C-704B-BAEE55462A84}"/>
-              </a:ext>
-            </a:extLst>
-          </p:cNvPr>
-          <p:cNvCxnSpPr>
-            <a:cxnSpLocks/>
-          </p:cNvCxnSpPr>
-          <p:nvPr/>
-        </p:nvCxnSpPr>
-        <p:spPr>
-          <a:xfrm flipV="1">
-            <a:off x="1655545" y="4276501"/>
-            <a:ext cx="4882415" cy="1631004"/>
-          </a:xfrm>
-          <a:prstGeom prst="straightConnector1">
-            <a:avLst/>
-          </a:prstGeom>
-          <a:ln>
-            <a:tailEnd type="triangle"/>
-          </a:ln>
-        </p:spPr>
-        <p:style>
-          <a:lnRef idx="1">
-            <a:schemeClr val="accent2"/>
-          </a:lnRef>
-          <a:fillRef idx="0">
-            <a:schemeClr val="accent2"/>
-          </a:fillRef>
-          <a:effectRef idx="0">
-            <a:schemeClr val="accent2"/>
-          </a:effectRef>
-          <a:fontRef idx="minor">
-            <a:schemeClr val="tx1"/>
-          </a:fontRef>
-        </p:style>
-      </p:cxnSp>
       <p:sp>
         <p:nvSpPr>
           <p:cNvPr id="10" name="Oval 9">
@@ -46412,6 +46527,83 @@
           </a:p>
         </p:txBody>
       </p:sp>
+      <p:pic>
+        <p:nvPicPr>
+          <p:cNvPr id="8" name="Picture 7">
+            <a:extLst>
+              <a:ext uri="{FF2B5EF4-FFF2-40B4-BE49-F238E27FC236}">
+                <a16:creationId xmlns:a16="http://schemas.microsoft.com/office/drawing/2014/main" id="{F6C5BD21-7C92-DD35-3223-6DFB439C28B8}"/>
+              </a:ext>
+            </a:extLst>
+          </p:cNvPr>
+          <p:cNvPicPr>
+            <a:picLocks noChangeAspect="1"/>
+          </p:cNvPicPr>
+          <p:nvPr/>
+        </p:nvPicPr>
+        <p:blipFill>
+          <a:blip r:embed="rId2">
+            <a:extLst>
+              <a:ext uri="{28A0092B-C50C-407E-A947-70E740481C1C}">
+                <a14:useLocalDpi xmlns:a14="http://schemas.microsoft.com/office/drawing/2010/main" val="0"/>
+              </a:ext>
+            </a:extLst>
+          </a:blip>
+          <a:stretch>
+            <a:fillRect/>
+          </a:stretch>
+        </p:blipFill>
+        <p:spPr>
+          <a:xfrm>
+            <a:off x="5823857" y="864986"/>
+            <a:ext cx="6538877" cy="5741708"/>
+          </a:xfrm>
+          <a:prstGeom prst="rect">
+            <a:avLst/>
+          </a:prstGeom>
+        </p:spPr>
+      </p:pic>
+      <p:cxnSp>
+        <p:nvCxnSpPr>
+          <p:cNvPr id="13" name="Straight Arrow Connector 12">
+            <a:extLst>
+              <a:ext uri="{FF2B5EF4-FFF2-40B4-BE49-F238E27FC236}">
+                <a16:creationId xmlns:a16="http://schemas.microsoft.com/office/drawing/2014/main" id="{828F4C2D-6B0A-679C-CB8B-248E08A8F41A}"/>
+              </a:ext>
+            </a:extLst>
+          </p:cNvPr>
+          <p:cNvCxnSpPr>
+            <a:cxnSpLocks/>
+          </p:cNvCxnSpPr>
+          <p:nvPr/>
+        </p:nvCxnSpPr>
+        <p:spPr>
+          <a:xfrm flipV="1">
+            <a:off x="2536371" y="4376057"/>
+            <a:ext cx="5998029" cy="1436914"/>
+          </a:xfrm>
+          <a:prstGeom prst="straightConnector1">
+            <a:avLst/>
+          </a:prstGeom>
+          <a:ln>
+            <a:tailEnd type="triangle"/>
+          </a:ln>
+        </p:spPr>
+        <p:style>
+          <a:lnRef idx="1">
+            <a:schemeClr val="accent1"/>
+          </a:lnRef>
+          <a:fillRef idx="0">
+            <a:schemeClr val="accent1"/>
+          </a:fillRef>
+          <a:effectRef idx="0">
+            <a:schemeClr val="accent1"/>
+          </a:effectRef>
+          <a:fontRef idx="minor">
+            <a:schemeClr val="tx1"/>
+          </a:fontRef>
+        </p:style>
+      </p:cxnSp>
     </p:spTree>
     <p:extLst>
       <p:ext uri="{BB962C8B-B14F-4D97-AF65-F5344CB8AC3E}">
